--- a/KafkaConsumer/Documents/Final Presentation .pptx
+++ b/KafkaConsumer/Documents/Final Presentation .pptx
@@ -5,7 +5,7 @@
     <p:sldMasterId id="2147484016" r:id="rId1"/>
   </p:sldMasterIdLst>
   <p:notesMasterIdLst>
-    <p:notesMasterId r:id="rId13"/>
+    <p:notesMasterId r:id="rId14"/>
   </p:notesMasterIdLst>
   <p:sldIdLst>
     <p:sldId id="256" r:id="rId2"/>
@@ -15,35 +15,36 @@
     <p:sldId id="262" r:id="rId6"/>
     <p:sldId id="269" r:id="rId7"/>
     <p:sldId id="263" r:id="rId8"/>
-    <p:sldId id="266" r:id="rId9"/>
-    <p:sldId id="268" r:id="rId10"/>
-    <p:sldId id="267" r:id="rId11"/>
-    <p:sldId id="270" r:id="rId12"/>
+    <p:sldId id="271" r:id="rId9"/>
+    <p:sldId id="266" r:id="rId10"/>
+    <p:sldId id="268" r:id="rId11"/>
+    <p:sldId id="267" r:id="rId12"/>
+    <p:sldId id="270" r:id="rId13"/>
   </p:sldIdLst>
   <p:sldSz cx="9144000" cy="5143500" type="screen16x9"/>
   <p:notesSz cx="6858000" cy="9144000"/>
   <p:embeddedFontLst>
     <p:embeddedFont>
       <p:font typeface="Anaheim" panose="020B0604020202020204" charset="0"/>
-      <p:regular r:id="rId14"/>
+      <p:regular r:id="rId15"/>
     </p:embeddedFont>
     <p:embeddedFont>
       <p:font typeface="Calibri" panose="020F0502020204030204" pitchFamily="34" charset="0"/>
-      <p:regular r:id="rId15"/>
-      <p:bold r:id="rId16"/>
-      <p:italic r:id="rId17"/>
-      <p:boldItalic r:id="rId18"/>
+      <p:regular r:id="rId16"/>
+      <p:bold r:id="rId17"/>
+      <p:italic r:id="rId18"/>
+      <p:boldItalic r:id="rId19"/>
     </p:embeddedFont>
     <p:embeddedFont>
       <p:font typeface="Trebuchet MS" panose="020B0603020202020204" pitchFamily="34" charset="0"/>
-      <p:regular r:id="rId19"/>
-      <p:bold r:id="rId20"/>
-      <p:italic r:id="rId21"/>
-      <p:boldItalic r:id="rId22"/>
+      <p:regular r:id="rId20"/>
+      <p:bold r:id="rId21"/>
+      <p:italic r:id="rId22"/>
+      <p:boldItalic r:id="rId23"/>
     </p:embeddedFont>
     <p:embeddedFont>
       <p:font typeface="Wingdings 3" panose="05040102010807070707" pitchFamily="18" charset="2"/>
-      <p:regular r:id="rId23"/>
+      <p:regular r:id="rId24"/>
     </p:embeddedFont>
   </p:embeddedFontLst>
   <p:defaultTextStyle>
@@ -141,6 +142,11 @@
       </a:defRPr>
     </a:lvl9pPr>
   </p:defaultTextStyle>
+  <p:extLst>
+    <p:ext uri="{EFAFB233-063F-42B5-8137-9DF3F51BA10A}">
+      <p15:sldGuideLst xmlns:p15="http://schemas.microsoft.com/office/powerpoint/2012/main"/>
+    </p:ext>
+  </p:extLst>
 </p:presentation>
 </file>
 
@@ -4107,6 +4113,115 @@
 </p:notes>
 </file>
 
+<file path=ppt/notesSlides/notesSlide8.xml><?xml version="1.0" encoding="utf-8"?>
+<p:notes xmlns:a="http://schemas.openxmlformats.org/drawingml/2006/main" xmlns:r="http://schemas.openxmlformats.org/officeDocument/2006/relationships" xmlns:p="http://schemas.openxmlformats.org/presentationml/2006/main" showMasterSp="0" showMasterPhAnim="0">
+  <p:cSld>
+    <p:spTree>
+      <p:nvGrpSpPr>
+        <p:cNvPr id="1" name="Shape 334"/>
+        <p:cNvGrpSpPr/>
+        <p:nvPr/>
+      </p:nvGrpSpPr>
+      <p:grpSpPr>
+        <a:xfrm>
+          <a:off x="0" y="0"/>
+          <a:ext cx="0" cy="0"/>
+          <a:chOff x="0" y="0"/>
+          <a:chExt cx="0" cy="0"/>
+        </a:xfrm>
+      </p:grpSpPr>
+      <p:sp>
+        <p:nvSpPr>
+          <p:cNvPr id="335" name="Google Shape;335;g6bd56c9061_0_2596:notes"/>
+          <p:cNvSpPr>
+            <a:spLocks noGrp="1" noRot="1" noChangeAspect="1"/>
+          </p:cNvSpPr>
+          <p:nvPr>
+            <p:ph type="sldImg" idx="2"/>
+          </p:nvPr>
+        </p:nvSpPr>
+        <p:spPr>
+          <a:xfrm>
+            <a:off x="381000" y="685800"/>
+            <a:ext cx="6096000" cy="3429000"/>
+          </a:xfrm>
+          <a:custGeom>
+            <a:avLst/>
+            <a:gdLst/>
+            <a:ahLst/>
+            <a:cxnLst/>
+            <a:rect l="l" t="t" r="r" b="b"/>
+            <a:pathLst>
+              <a:path w="120000" h="120000" extrusionOk="0">
+                <a:moveTo>
+                  <a:pt x="0" y="0"/>
+                </a:moveTo>
+                <a:lnTo>
+                  <a:pt x="120000" y="0"/>
+                </a:lnTo>
+                <a:lnTo>
+                  <a:pt x="120000" y="120000"/>
+                </a:lnTo>
+                <a:lnTo>
+                  <a:pt x="0" y="120000"/>
+                </a:lnTo>
+                <a:close/>
+              </a:path>
+            </a:pathLst>
+          </a:custGeom>
+        </p:spPr>
+      </p:sp>
+      <p:sp>
+        <p:nvSpPr>
+          <p:cNvPr id="336" name="Google Shape;336;g6bd56c9061_0_2596:notes"/>
+          <p:cNvSpPr txBox="1">
+            <a:spLocks noGrp="1"/>
+          </p:cNvSpPr>
+          <p:nvPr>
+            <p:ph type="body" idx="1"/>
+          </p:nvPr>
+        </p:nvSpPr>
+        <p:spPr>
+          <a:xfrm>
+            <a:off x="685800" y="4343400"/>
+            <a:ext cx="5486400" cy="4114800"/>
+          </a:xfrm>
+          <a:prstGeom prst="rect">
+            <a:avLst/>
+          </a:prstGeom>
+        </p:spPr>
+        <p:txBody>
+          <a:bodyPr spcFirstLastPara="1" wrap="square" lIns="91425" tIns="91425" rIns="91425" bIns="91425" anchor="t" anchorCtr="0">
+            <a:noAutofit/>
+          </a:bodyPr>
+          <a:lstStyle/>
+          <a:p>
+            <a:pPr marL="0" lvl="0" indent="0" algn="l" rtl="0">
+              <a:spcBef>
+                <a:spcPts val="0"/>
+              </a:spcBef>
+              <a:spcAft>
+                <a:spcPts val="0"/>
+              </a:spcAft>
+              <a:buNone/>
+            </a:pPr>
+            <a:endParaRPr dirty="0"/>
+          </a:p>
+        </p:txBody>
+      </p:sp>
+    </p:spTree>
+    <p:extLst>
+      <p:ext uri="{BB962C8B-B14F-4D97-AF65-F5344CB8AC3E}">
+        <p14:creationId xmlns:p14="http://schemas.microsoft.com/office/powerpoint/2010/main" val="3638420753"/>
+      </p:ext>
+    </p:extLst>
+  </p:cSld>
+  <p:clrMapOvr>
+    <a:masterClrMapping/>
+  </p:clrMapOvr>
+</p:notes>
+</file>
+
 <file path=ppt/slideLayouts/slideLayout1.xml><?xml version="1.0" encoding="utf-8"?>
 <p:sldLayout xmlns:a="http://schemas.openxmlformats.org/drawingml/2006/main" xmlns:r="http://schemas.openxmlformats.org/officeDocument/2006/relationships" xmlns:p="http://schemas.openxmlformats.org/presentationml/2006/main" showMasterSp="0" type="title" preserve="1">
   <p:cSld name="Title Slide">
@@ -12221,6 +12336,121 @@
         </p:nvSpPr>
         <p:spPr>
           <a:xfrm>
+            <a:off x="2736524" y="195734"/>
+            <a:ext cx="3224750" cy="662101"/>
+          </a:xfrm>
+        </p:spPr>
+        <p:txBody>
+          <a:bodyPr vert="horz" lIns="91440" tIns="45720" rIns="91440" bIns="45720" rtlCol="0" anchor="b">
+            <a:normAutofit fontScale="90000"/>
+          </a:bodyPr>
+          <a:lstStyle/>
+          <a:p>
+            <a:pPr algn="l" defTabSz="457200">
+              <a:spcBef>
+                <a:spcPct val="0"/>
+              </a:spcBef>
+            </a:pPr>
+            <a:r>
+              <a:rPr lang="en-US" sz="4200" kern="1200" dirty="0">
+                <a:solidFill>
+                  <a:schemeClr val="tx2"/>
+                </a:solidFill>
+                <a:latin typeface="+mj-lt"/>
+                <a:ea typeface="+mj-ea"/>
+                <a:cs typeface="+mj-cs"/>
+              </a:rPr>
+              <a:t>Visualization</a:t>
+            </a:r>
+          </a:p>
+        </p:txBody>
+      </p:sp>
+      <p:pic>
+        <p:nvPicPr>
+          <p:cNvPr id="5" name="Picture 4" descr="A screenshot of a social media post&#10;&#10;Description automatically generated">
+            <a:extLst>
+              <a:ext uri="{FF2B5EF4-FFF2-40B4-BE49-F238E27FC236}">
+                <a16:creationId xmlns:a16="http://schemas.microsoft.com/office/drawing/2014/main" id="{BA8D5D23-6E93-4115-8590-5B7203251B6A}"/>
+              </a:ext>
+            </a:extLst>
+          </p:cNvPr>
+          <p:cNvPicPr>
+            <a:picLocks noChangeAspect="1"/>
+          </p:cNvPicPr>
+          <p:nvPr/>
+        </p:nvPicPr>
+        <p:blipFill>
+          <a:blip r:embed="rId2"/>
+          <a:stretch>
+            <a:fillRect/>
+          </a:stretch>
+        </p:blipFill>
+        <p:spPr>
+          <a:xfrm>
+            <a:off x="513387" y="1081314"/>
+            <a:ext cx="6221242" cy="3459372"/>
+          </a:xfrm>
+          <a:prstGeom prst="rect">
+            <a:avLst/>
+          </a:prstGeom>
+        </p:spPr>
+      </p:pic>
+    </p:spTree>
+    <p:extLst>
+      <p:ext uri="{BB962C8B-B14F-4D97-AF65-F5344CB8AC3E}">
+        <p14:creationId xmlns:p14="http://schemas.microsoft.com/office/powerpoint/2010/main" val="3607454775"/>
+      </p:ext>
+    </p:extLst>
+  </p:cSld>
+  <p:clrMapOvr>
+    <a:masterClrMapping/>
+  </p:clrMapOvr>
+</p:sld>
+</file>
+
+<file path=ppt/slides/slide11.xml><?xml version="1.0" encoding="utf-8"?>
+<p:sld xmlns:a="http://schemas.openxmlformats.org/drawingml/2006/main" xmlns:r="http://schemas.openxmlformats.org/officeDocument/2006/relationships" xmlns:p="http://schemas.openxmlformats.org/presentationml/2006/main">
+  <p:cSld>
+    <p:bg>
+      <p:bgPr>
+        <a:solidFill>
+          <a:schemeClr val="bg1"/>
+        </a:solidFill>
+        <a:effectLst/>
+      </p:bgPr>
+    </p:bg>
+    <p:spTree>
+      <p:nvGrpSpPr>
+        <p:cNvPr id="1" name=""/>
+        <p:cNvGrpSpPr/>
+        <p:nvPr/>
+      </p:nvGrpSpPr>
+      <p:grpSpPr>
+        <a:xfrm>
+          <a:off x="0" y="0"/>
+          <a:ext cx="0" cy="0"/>
+          <a:chOff x="0" y="0"/>
+          <a:chExt cx="0" cy="0"/>
+        </a:xfrm>
+      </p:grpSpPr>
+      <p:sp>
+        <p:nvSpPr>
+          <p:cNvPr id="2" name="Title 1">
+            <a:extLst>
+              <a:ext uri="{FF2B5EF4-FFF2-40B4-BE49-F238E27FC236}">
+                <a16:creationId xmlns:a16="http://schemas.microsoft.com/office/drawing/2014/main" id="{08227A64-B944-42F7-8B98-FEA101AB1F48}"/>
+              </a:ext>
+            </a:extLst>
+          </p:cNvPr>
+          <p:cNvSpPr>
+            <a:spLocks noGrp="1"/>
+          </p:cNvSpPr>
+          <p:nvPr>
+            <p:ph type="ctrTitle"/>
+          </p:nvPr>
+        </p:nvSpPr>
+        <p:spPr>
+          <a:xfrm>
             <a:off x="3313806" y="274411"/>
             <a:ext cx="1793975" cy="662101"/>
           </a:xfrm>
@@ -12301,7 +12531,7 @@
 </p:sld>
 </file>
 
-<file path=ppt/slides/slide11.xml><?xml version="1.0" encoding="utf-8"?>
+<file path=ppt/slides/slide12.xml><?xml version="1.0" encoding="utf-8"?>
 <p:sld xmlns:a="http://schemas.openxmlformats.org/drawingml/2006/main" xmlns:r="http://schemas.openxmlformats.org/officeDocument/2006/relationships" xmlns:p="http://schemas.openxmlformats.org/presentationml/2006/main">
   <p:cSld>
     <p:bg>
@@ -14726,7 +14956,7 @@
         <p:push/>
       </p:transition>
     </mc:Choice>
-    <mc:Fallback xmlns:p15="http://schemas.microsoft.com/office/powerpoint/2012/main" xmlns:com="http://schemas.openxmlformats.org/drawingml/2006/compatibility" xmlns:pvml="urn:schemas-microsoft-com:office:powerpoint" xmlns:v="urn:schemas-microsoft-com:vml" xmlns:o="urn:schemas-microsoft-com:office:office" xmlns:dgm="http://schemas.openxmlformats.org/drawingml/2006/diagram" xmlns:c="http://schemas.openxmlformats.org/drawingml/2006/chart" xmlns:mv="urn:schemas-microsoft-com:mac:vml" xmlns="">
+    <mc:Fallback xmlns="" xmlns:mv="urn:schemas-microsoft-com:mac:vml" xmlns:c="http://schemas.openxmlformats.org/drawingml/2006/chart" xmlns:dgm="http://schemas.openxmlformats.org/drawingml/2006/diagram" xmlns:o="urn:schemas-microsoft-com:office:office" xmlns:v="urn:schemas-microsoft-com:vml" xmlns:pvml="urn:schemas-microsoft-com:office:powerpoint" xmlns:com="http://schemas.openxmlformats.org/drawingml/2006/compatibility" xmlns:p15="http://schemas.microsoft.com/office/powerpoint/2012/main">
       <p:transition spd="slow">
         <p:fade/>
       </p:transition>
@@ -15563,7 +15793,7 @@
     </p:bg>
     <p:spTree>
       <p:nvGrpSpPr>
-        <p:cNvPr id="1" name=""/>
+        <p:cNvPr id="1" name="Shape 337"/>
         <p:cNvGrpSpPr/>
         <p:nvPr/>
       </p:nvGrpSpPr>
@@ -15577,14 +15807,8 @@
       </p:grpSpPr>
       <p:sp>
         <p:nvSpPr>
-          <p:cNvPr id="2" name="Title 1">
-            <a:extLst>
-              <a:ext uri="{FF2B5EF4-FFF2-40B4-BE49-F238E27FC236}">
-                <a16:creationId xmlns:a16="http://schemas.microsoft.com/office/drawing/2014/main" id="{08227A64-B944-42F7-8B98-FEA101AB1F48}"/>
-              </a:ext>
-            </a:extLst>
-          </p:cNvPr>
-          <p:cNvSpPr>
+          <p:cNvPr id="339" name="Google Shape;339;p50"/>
+          <p:cNvSpPr txBox="1">
             <a:spLocks noGrp="1"/>
           </p:cNvSpPr>
           <p:nvPr>
@@ -15593,41 +15817,54 @@
         </p:nvSpPr>
         <p:spPr>
           <a:xfrm>
-            <a:off x="2649438" y="295842"/>
-            <a:ext cx="3224750" cy="662101"/>
+            <a:off x="1000126" y="457200"/>
+            <a:ext cx="6447501" cy="990600"/>
           </a:xfrm>
+          <a:prstGeom prst="rect">
+            <a:avLst/>
+          </a:prstGeom>
         </p:spPr>
         <p:txBody>
-          <a:bodyPr vert="horz" lIns="91440" tIns="45720" rIns="91440" bIns="45720" rtlCol="0" anchor="b">
-            <a:normAutofit fontScale="90000"/>
+          <a:bodyPr spcFirstLastPara="1" vert="horz" lIns="91440" tIns="45720" rIns="91440" bIns="45720" rtlCol="0" anchor="t" anchorCtr="0">
+            <a:normAutofit/>
           </a:bodyPr>
           <a:lstStyle/>
           <a:p>
-            <a:pPr algn="l" defTabSz="457200">
+            <a:pPr marL="0" lvl="0" indent="0" algn="l" defTabSz="457200">
               <a:spcBef>
                 <a:spcPct val="0"/>
               </a:spcBef>
+              <a:spcAft>
+                <a:spcPts val="0"/>
+              </a:spcAft>
+              <a:buClr>
+                <a:srgbClr val="000000"/>
+              </a:buClr>
+              <a:buSzPts val="5400"/>
             </a:pPr>
             <a:r>
-              <a:rPr lang="en-US" sz="4200" kern="1200" dirty="0">
+              <a:rPr lang="en-US" sz="3600" dirty="0">
                 <a:solidFill>
                   <a:schemeClr val="tx2"/>
                 </a:solidFill>
-                <a:latin typeface="+mj-lt"/>
-                <a:ea typeface="+mj-ea"/>
-                <a:cs typeface="+mj-cs"/>
+                <a:sym typeface="Calibri"/>
               </a:rPr>
-              <a:t>Visualization</a:t>
+              <a:t>Unit Test</a:t>
             </a:r>
+            <a:endParaRPr lang="en-US" sz="3600" dirty="0">
+              <a:solidFill>
+                <a:schemeClr val="tx2"/>
+              </a:solidFill>
+            </a:endParaRPr>
           </a:p>
         </p:txBody>
       </p:sp>
       <p:pic>
         <p:nvPicPr>
-          <p:cNvPr id="4" name="Picture 3" descr="A screenshot of a cell phone&#10;&#10;Description automatically generated">
+          <p:cNvPr id="3" name="Picture 2" descr="A screenshot of a social media post&#10;&#10;Description automatically generated">
             <a:extLst>
               <a:ext uri="{FF2B5EF4-FFF2-40B4-BE49-F238E27FC236}">
-                <a16:creationId xmlns:a16="http://schemas.microsoft.com/office/drawing/2014/main" id="{B266897F-8DED-4A8D-9149-F86B12A2A942}"/>
+                <a16:creationId xmlns:a16="http://schemas.microsoft.com/office/drawing/2014/main" id="{5DD03AE0-D0F7-4928-B999-54D4792F5C84}"/>
               </a:ext>
             </a:extLst>
           </p:cNvPr>
@@ -15637,15 +15874,15 @@
           <p:nvPr/>
         </p:nvPicPr>
         <p:blipFill>
-          <a:blip r:embed="rId2"/>
+          <a:blip r:embed="rId3"/>
           <a:stretch>
             <a:fillRect/>
           </a:stretch>
         </p:blipFill>
         <p:spPr>
           <a:xfrm>
-            <a:off x="1298402" y="1224943"/>
-            <a:ext cx="5015890" cy="3072233"/>
+            <a:off x="326571" y="1197428"/>
+            <a:ext cx="7032172" cy="3314253"/>
           </a:xfrm>
           <a:prstGeom prst="rect">
             <a:avLst/>
@@ -15655,7 +15892,7 @@
     </p:spTree>
     <p:extLst>
       <p:ext uri="{BB962C8B-B14F-4D97-AF65-F5344CB8AC3E}">
-        <p14:creationId xmlns:p14="http://schemas.microsoft.com/office/powerpoint/2010/main" val="858554766"/>
+        <p14:creationId xmlns:p14="http://schemas.microsoft.com/office/powerpoint/2010/main" val="779509167"/>
       </p:ext>
     </p:extLst>
   </p:cSld>
@@ -15708,7 +15945,7 @@
         </p:nvSpPr>
         <p:spPr>
           <a:xfrm>
-            <a:off x="2736524" y="195734"/>
+            <a:off x="2649438" y="295842"/>
             <a:ext cx="3224750" cy="662101"/>
           </a:xfrm>
         </p:spPr>
@@ -15739,10 +15976,10 @@
       </p:sp>
       <p:pic>
         <p:nvPicPr>
-          <p:cNvPr id="5" name="Picture 4" descr="A screenshot of a social media post&#10;&#10;Description automatically generated">
+          <p:cNvPr id="4" name="Picture 3" descr="A screenshot of a cell phone&#10;&#10;Description automatically generated">
             <a:extLst>
               <a:ext uri="{FF2B5EF4-FFF2-40B4-BE49-F238E27FC236}">
-                <a16:creationId xmlns:a16="http://schemas.microsoft.com/office/drawing/2014/main" id="{BA8D5D23-6E93-4115-8590-5B7203251B6A}"/>
+                <a16:creationId xmlns:a16="http://schemas.microsoft.com/office/drawing/2014/main" id="{B266897F-8DED-4A8D-9149-F86B12A2A942}"/>
               </a:ext>
             </a:extLst>
           </p:cNvPr>
@@ -15759,8 +15996,8 @@
         </p:blipFill>
         <p:spPr>
           <a:xfrm>
-            <a:off x="513387" y="1081314"/>
-            <a:ext cx="6221242" cy="3459372"/>
+            <a:off x="1298402" y="1224943"/>
+            <a:ext cx="5015890" cy="3072233"/>
           </a:xfrm>
           <a:prstGeom prst="rect">
             <a:avLst/>
@@ -15770,7 +16007,7 @@
     </p:spTree>
     <p:extLst>
       <p:ext uri="{BB962C8B-B14F-4D97-AF65-F5344CB8AC3E}">
-        <p14:creationId xmlns:p14="http://schemas.microsoft.com/office/powerpoint/2010/main" val="3607454775"/>
+        <p14:creationId xmlns:p14="http://schemas.microsoft.com/office/powerpoint/2010/main" val="858554766"/>
       </p:ext>
     </p:extLst>
   </p:cSld>
